--- a/PPT/Angular06-Binding.pptx
+++ b/PPT/Angular06-Binding.pptx
@@ -22,13 +22,13 @@
     <p:sldId id="286" r:id="rId10"/>
     <p:sldId id="287" r:id="rId11"/>
     <p:sldId id="288" r:id="rId12"/>
-    <p:sldId id="289" r:id="rId13"/>
-    <p:sldId id="290" r:id="rId14"/>
-    <p:sldId id="291" r:id="rId15"/>
-    <p:sldId id="292" r:id="rId16"/>
-    <p:sldId id="293" r:id="rId17"/>
-    <p:sldId id="294" r:id="rId18"/>
-    <p:sldId id="295" r:id="rId19"/>
+    <p:sldId id="295" r:id="rId13"/>
+    <p:sldId id="292" r:id="rId14"/>
+    <p:sldId id="293" r:id="rId15"/>
+    <p:sldId id="294" r:id="rId16"/>
+    <p:sldId id="289" r:id="rId17"/>
+    <p:sldId id="290" r:id="rId18"/>
+    <p:sldId id="291" r:id="rId19"/>
   </p:sldIdLst>
   <p:sldSz cx="9144000" cy="6858000" type="screen4x3"/>
   <p:notesSz cx="6648450" cy="9782175"/>
@@ -4067,6 +4067,13 @@
   <p:clrMapOvr>
     <a:masterClrMapping/>
   </p:clrMapOvr>
+  <p:timing>
+    <p:tnLst>
+      <p:par>
+        <p:cTn id="1" dur="indefinite" restart="never" nodeType="tmRoot"/>
+      </p:par>
+    </p:tnLst>
+  </p:timing>
 </p:sld>
 </file>
 
@@ -4273,6 +4280,13 @@
   <p:clrMapOvr>
     <a:masterClrMapping/>
   </p:clrMapOvr>
+  <p:timing>
+    <p:tnLst>
+      <p:par>
+        <p:cTn id="1" dur="indefinite" restart="never" nodeType="tmRoot"/>
+      </p:par>
+    </p:tnLst>
+  </p:timing>
 </p:sld>
 </file>
 
@@ -4310,7 +4324,7 @@
           <a:p>
             <a:r>
               <a:rPr lang="fr-FR" dirty="0" smtClean="0"/>
-              <a:t>Validation</a:t>
+              <a:t>Validation automatique</a:t>
             </a:r>
             <a:endParaRPr lang="fr-FR" dirty="0"/>
           </a:p>
@@ -4326,102 +4340,169 @@
             <p:ph idx="1"/>
           </p:nvPr>
         </p:nvSpPr>
-        <p:spPr>
-          <a:xfrm>
-            <a:off x="179513" y="1412776"/>
-            <a:ext cx="4680520" cy="5040560"/>
-          </a:xfrm>
-        </p:spPr>
+        <p:spPr/>
         <p:txBody>
           <a:bodyPr/>
           <a:lstStyle/>
           <a:p>
             <a:r>
               <a:rPr lang="fr-FR" dirty="0" err="1" smtClean="0"/>
-              <a:t>Angular</a:t>
-            </a:r>
-            <a:r>
-              <a:rPr lang="fr-FR" dirty="0" smtClean="0"/>
-              <a:t> est compatible avec les validations de formulaire HTML 5</a:t>
-            </a:r>
-          </a:p>
-          <a:p>
-            <a:pPr lvl="1"/>
-            <a:r>
-              <a:rPr lang="fr-FR" dirty="0" smtClean="0"/>
-              <a:t>Le formulaire doit être nommé</a:t>
-            </a:r>
-          </a:p>
-          <a:p>
-            <a:r>
-              <a:rPr lang="fr-FR" dirty="0" smtClean="0"/>
-              <a:t>Nouvelles propriétés</a:t>
-            </a:r>
-          </a:p>
-          <a:p>
-            <a:pPr lvl="1"/>
-            <a:r>
-              <a:rPr lang="fr-FR" dirty="0" err="1" smtClean="0"/>
-              <a:t>invalid</a:t>
-            </a:r>
-            <a:r>
-              <a:rPr lang="fr-FR" dirty="0" smtClean="0"/>
-              <a:t>, </a:t>
-            </a:r>
-            <a:r>
-              <a:rPr lang="fr-FR" dirty="0" err="1" smtClean="0"/>
-              <a:t>touch</a:t>
-            </a:r>
-            <a:r>
-              <a:rPr lang="fr-FR" dirty="0" smtClean="0"/>
-              <a:t>, </a:t>
-            </a:r>
-            <a:r>
-              <a:rPr lang="fr-FR" dirty="0" err="1" smtClean="0"/>
-              <a:t>dirty</a:t>
+              <a:t>Required</a:t>
             </a:r>
             <a:endParaRPr lang="fr-FR" dirty="0" smtClean="0"/>
           </a:p>
           <a:p>
-            <a:pPr lvl="1"/>
+            <a:r>
+              <a:rPr lang="fr-FR" dirty="0" smtClean="0"/>
+              <a:t>Validation en fonction du type du champ</a:t>
+            </a:r>
+          </a:p>
+          <a:p>
+            <a:endParaRPr lang="fr-FR" dirty="0"/>
+          </a:p>
+          <a:p>
+            <a:endParaRPr lang="fr-FR" dirty="0" smtClean="0"/>
+          </a:p>
+          <a:p>
+            <a:endParaRPr lang="fr-FR" dirty="0"/>
+          </a:p>
+          <a:p>
+            <a:endParaRPr lang="fr-FR" dirty="0" smtClean="0"/>
+          </a:p>
+          <a:p>
+            <a:r>
+              <a:rPr lang="fr-FR" dirty="0" smtClean="0"/>
+              <a:t>Validation en fonction de la longueur</a:t>
+            </a:r>
             <a:endParaRPr lang="fr-FR" dirty="0"/>
           </a:p>
         </p:txBody>
       </p:sp>
       <p:pic>
         <p:nvPicPr>
-          <p:cNvPr id="4" name="Image 3"/>
+          <p:cNvPr id="5122" name="Picture 2"/>
           <p:cNvPicPr>
-            <a:picLocks noChangeAspect="1"/>
+            <a:picLocks noChangeAspect="1" noChangeArrowheads="1"/>
           </p:cNvPicPr>
           <p:nvPr/>
         </p:nvPicPr>
         <p:blipFill>
-          <a:blip r:embed="rId2"/>
+          <a:blip r:embed="rId2">
+            <a:extLst>
+              <a:ext uri="{28A0092B-C50C-407E-A947-70E740481C1C}">
+                <a14:useLocalDpi xmlns:a14="http://schemas.microsoft.com/office/drawing/2010/main" val="0"/>
+              </a:ext>
+            </a:extLst>
+          </a:blip>
+          <a:srcRect/>
           <a:stretch>
             <a:fillRect/>
           </a:stretch>
         </p:blipFill>
-        <p:spPr>
+        <p:spPr bwMode="auto">
           <a:xfrm>
-            <a:off x="4860032" y="1437892"/>
-            <a:ext cx="4562475" cy="4695825"/>
+            <a:off x="1979712" y="2395736"/>
+            <a:ext cx="5753100" cy="1943100"/>
           </a:xfrm>
           <a:prstGeom prst="rect">
             <a:avLst/>
           </a:prstGeom>
+          <a:noFill/>
+          <a:ln>
+            <a:noFill/>
+          </a:ln>
+          <a:extLst>
+            <a:ext uri="{909E8E84-426E-40DD-AFC4-6F175D3DCCD1}">
+              <a14:hiddenFill xmlns:a14="http://schemas.microsoft.com/office/drawing/2010/main">
+                <a:solidFill>
+                  <a:schemeClr val="accent1"/>
+                </a:solidFill>
+              </a14:hiddenFill>
+            </a:ext>
+            <a:ext uri="{91240B29-F687-4F45-9708-019B960494DF}">
+              <a14:hiddenLine xmlns:a14="http://schemas.microsoft.com/office/drawing/2010/main" w="9525">
+                <a:solidFill>
+                  <a:schemeClr val="tx1"/>
+                </a:solidFill>
+                <a:miter lim="800000"/>
+                <a:headEnd/>
+                <a:tailEnd/>
+              </a14:hiddenLine>
+            </a:ext>
+          </a:extLst>
+        </p:spPr>
+      </p:pic>
+      <p:pic>
+        <p:nvPicPr>
+          <p:cNvPr id="5123" name="Picture 3"/>
+          <p:cNvPicPr>
+            <a:picLocks noChangeAspect="1" noChangeArrowheads="1"/>
+          </p:cNvPicPr>
+          <p:nvPr/>
+        </p:nvPicPr>
+        <p:blipFill>
+          <a:blip r:embed="rId3">
+            <a:extLst>
+              <a:ext uri="{28A0092B-C50C-407E-A947-70E740481C1C}">
+                <a14:useLocalDpi xmlns:a14="http://schemas.microsoft.com/office/drawing/2010/main" val="0"/>
+              </a:ext>
+            </a:extLst>
+          </a:blip>
+          <a:srcRect/>
+          <a:stretch>
+            <a:fillRect/>
+          </a:stretch>
+        </p:blipFill>
+        <p:spPr bwMode="auto">
+          <a:xfrm>
+            <a:off x="3635896" y="5064621"/>
+            <a:ext cx="1685925" cy="514350"/>
+          </a:xfrm>
+          <a:prstGeom prst="rect">
+            <a:avLst/>
+          </a:prstGeom>
+          <a:noFill/>
+          <a:ln>
+            <a:noFill/>
+          </a:ln>
+          <a:extLst>
+            <a:ext uri="{909E8E84-426E-40DD-AFC4-6F175D3DCCD1}">
+              <a14:hiddenFill xmlns:a14="http://schemas.microsoft.com/office/drawing/2010/main">
+                <a:solidFill>
+                  <a:schemeClr val="accent1"/>
+                </a:solidFill>
+              </a14:hiddenFill>
+            </a:ext>
+            <a:ext uri="{91240B29-F687-4F45-9708-019B960494DF}">
+              <a14:hiddenLine xmlns:a14="http://schemas.microsoft.com/office/drawing/2010/main" w="9525">
+                <a:solidFill>
+                  <a:schemeClr val="tx1"/>
+                </a:solidFill>
+                <a:miter lim="800000"/>
+                <a:headEnd/>
+                <a:tailEnd/>
+              </a14:hiddenLine>
+            </a:ext>
+          </a:extLst>
         </p:spPr>
       </p:pic>
     </p:spTree>
     <p:extLst>
       <p:ext uri="{BB962C8B-B14F-4D97-AF65-F5344CB8AC3E}">
-        <p14:creationId xmlns:p14="http://schemas.microsoft.com/office/powerpoint/2010/main" val="3059542152"/>
+        <p14:creationId xmlns:p14="http://schemas.microsoft.com/office/powerpoint/2010/main" val="1992127610"/>
       </p:ext>
     </p:extLst>
   </p:cSld>
   <p:clrMapOvr>
     <a:masterClrMapping/>
   </p:clrMapOvr>
+  <p:timing>
+    <p:tnLst>
+      <p:par>
+        <p:cTn id="1" dur="indefinite" restart="never" nodeType="tmRoot"/>
+      </p:par>
+    </p:tnLst>
+  </p:timing>
 </p:sld>
 </file>
 
@@ -4459,7 +4540,7 @@
           <a:p>
             <a:r>
               <a:rPr lang="fr-FR" dirty="0" smtClean="0"/>
-              <a:t>Validation dans le composant</a:t>
+              <a:t>Classes CSS de validation</a:t>
             </a:r>
             <a:endParaRPr lang="fr-FR" dirty="0"/>
           </a:p>
@@ -4482,327 +4563,116 @@
           <a:p>
             <a:r>
               <a:rPr lang="fr-FR" dirty="0" smtClean="0"/>
-              <a:t>Il est possible de surcharger la validation HTML 5 directement dans la classe du composant</a:t>
+              <a:t>De nombreuses classes de validation doivent être implémentées</a:t>
             </a:r>
           </a:p>
           <a:p>
             <a:pPr lvl="1"/>
             <a:r>
-              <a:rPr lang="fr-FR" dirty="0" smtClean="0"/>
-              <a:t>Il est alors possible de créer son propre validateur</a:t>
+              <a:rPr lang="fr-FR" dirty="0"/>
+              <a:t>.</a:t>
+            </a:r>
+            <a:r>
+              <a:rPr lang="fr-FR" dirty="0" err="1"/>
+              <a:t>ng-valid</a:t>
+            </a:r>
+            <a:endParaRPr lang="fr-FR" dirty="0"/>
+          </a:p>
+          <a:p>
+            <a:pPr lvl="1"/>
+            <a:r>
+              <a:rPr lang="fr-FR" dirty="0"/>
+              <a:t>.</a:t>
+            </a:r>
+            <a:r>
+              <a:rPr lang="fr-FR" dirty="0" err="1"/>
+              <a:t>ng-invalid</a:t>
+            </a:r>
+            <a:endParaRPr lang="fr-FR" dirty="0"/>
+          </a:p>
+          <a:p>
+            <a:pPr lvl="1"/>
+            <a:r>
+              <a:rPr lang="fr-FR" dirty="0"/>
+              <a:t>.</a:t>
+            </a:r>
+            <a:r>
+              <a:rPr lang="fr-FR" dirty="0" err="1"/>
+              <a:t>ng-pending</a:t>
+            </a:r>
+            <a:endParaRPr lang="fr-FR" dirty="0"/>
+          </a:p>
+          <a:p>
+            <a:pPr lvl="1"/>
+            <a:r>
+              <a:rPr lang="fr-FR" dirty="0"/>
+              <a:t>.</a:t>
+            </a:r>
+            <a:r>
+              <a:rPr lang="fr-FR" dirty="0" err="1"/>
+              <a:t>ng-pristine</a:t>
+            </a:r>
+            <a:endParaRPr lang="fr-FR" dirty="0"/>
+          </a:p>
+          <a:p>
+            <a:pPr lvl="1"/>
+            <a:r>
+              <a:rPr lang="fr-FR" dirty="0"/>
+              <a:t>.</a:t>
+            </a:r>
+            <a:r>
+              <a:rPr lang="fr-FR" dirty="0" err="1"/>
+              <a:t>ng-dirty</a:t>
+            </a:r>
+            <a:endParaRPr lang="fr-FR" dirty="0"/>
+          </a:p>
+          <a:p>
+            <a:pPr lvl="1"/>
+            <a:r>
+              <a:rPr lang="fr-FR" dirty="0"/>
+              <a:t>.</a:t>
+            </a:r>
+            <a:r>
+              <a:rPr lang="fr-FR" dirty="0" err="1"/>
+              <a:t>ng-untouched</a:t>
+            </a:r>
+            <a:endParaRPr lang="fr-FR" dirty="0"/>
+          </a:p>
+          <a:p>
+            <a:pPr lvl="1"/>
+            <a:r>
+              <a:rPr lang="fr-FR" dirty="0"/>
+              <a:t>.</a:t>
+            </a:r>
+            <a:r>
+              <a:rPr lang="fr-FR" dirty="0" err="1"/>
+              <a:t>ng-touched</a:t>
             </a:r>
             <a:endParaRPr lang="fr-FR" dirty="0"/>
           </a:p>
         </p:txBody>
       </p:sp>
-      <p:pic>
-        <p:nvPicPr>
-          <p:cNvPr id="4" name="Image 3"/>
-          <p:cNvPicPr>
-            <a:picLocks noChangeAspect="1"/>
-          </p:cNvPicPr>
-          <p:nvPr/>
-        </p:nvPicPr>
-        <p:blipFill>
-          <a:blip r:embed="rId2"/>
-          <a:stretch>
-            <a:fillRect/>
-          </a:stretch>
-        </p:blipFill>
-        <p:spPr>
-          <a:xfrm>
-            <a:off x="755576" y="2852936"/>
-            <a:ext cx="7722680" cy="3456384"/>
-          </a:xfrm>
-          <a:prstGeom prst="rect">
-            <a:avLst/>
-          </a:prstGeom>
-        </p:spPr>
-      </p:pic>
     </p:spTree>
     <p:extLst>
       <p:ext uri="{BB962C8B-B14F-4D97-AF65-F5344CB8AC3E}">
-        <p14:creationId xmlns:p14="http://schemas.microsoft.com/office/powerpoint/2010/main" val="3939227487"/>
+        <p14:creationId xmlns:p14="http://schemas.microsoft.com/office/powerpoint/2010/main" val="1530905328"/>
       </p:ext>
     </p:extLst>
   </p:cSld>
   <p:clrMapOvr>
     <a:masterClrMapping/>
   </p:clrMapOvr>
+  <p:timing>
+    <p:tnLst>
+      <p:par>
+        <p:cTn id="1" dur="indefinite" restart="never" nodeType="tmRoot"/>
+      </p:par>
+    </p:tnLst>
+  </p:timing>
 </p:sld>
 </file>
 
 <file path=ppt/slides/slide14.xml><?xml version="1.0" encoding="utf-8"?>
-<p:sld xmlns:a="http://schemas.openxmlformats.org/drawingml/2006/main" xmlns:r="http://schemas.openxmlformats.org/officeDocument/2006/relationships" xmlns:p="http://schemas.openxmlformats.org/presentationml/2006/main">
-  <p:cSld>
-    <p:spTree>
-      <p:nvGrpSpPr>
-        <p:cNvPr id="1" name=""/>
-        <p:cNvGrpSpPr/>
-        <p:nvPr/>
-      </p:nvGrpSpPr>
-      <p:grpSpPr>
-        <a:xfrm>
-          <a:off x="0" y="0"/>
-          <a:ext cx="0" cy="0"/>
-          <a:chOff x="0" y="0"/>
-          <a:chExt cx="0" cy="0"/>
-        </a:xfrm>
-      </p:grpSpPr>
-      <p:sp>
-        <p:nvSpPr>
-          <p:cNvPr id="2" name="Titre 1"/>
-          <p:cNvSpPr>
-            <a:spLocks noGrp="1"/>
-          </p:cNvSpPr>
-          <p:nvPr>
-            <p:ph type="title"/>
-          </p:nvPr>
-        </p:nvSpPr>
-        <p:spPr/>
-        <p:txBody>
-          <a:bodyPr/>
-          <a:lstStyle/>
-          <a:p>
-            <a:r>
-              <a:rPr lang="fr-FR" dirty="0" smtClean="0"/>
-              <a:t>Custom </a:t>
-            </a:r>
-            <a:r>
-              <a:rPr lang="fr-FR" dirty="0" err="1" smtClean="0"/>
-              <a:t>Validator</a:t>
-            </a:r>
-            <a:endParaRPr lang="fr-FR" dirty="0"/>
-          </a:p>
-        </p:txBody>
-      </p:sp>
-      <p:sp>
-        <p:nvSpPr>
-          <p:cNvPr id="3" name="Espace réservé du contenu 2"/>
-          <p:cNvSpPr>
-            <a:spLocks noGrp="1"/>
-          </p:cNvSpPr>
-          <p:nvPr>
-            <p:ph idx="1"/>
-          </p:nvPr>
-        </p:nvSpPr>
-        <p:spPr/>
-        <p:txBody>
-          <a:bodyPr/>
-          <a:lstStyle/>
-          <a:p>
-            <a:r>
-              <a:rPr lang="fr-FR" dirty="0" smtClean="0"/>
-              <a:t>Notez le répertoire </a:t>
-            </a:r>
-            <a:r>
-              <a:rPr lang="fr-FR" dirty="0" err="1" smtClean="0"/>
-              <a:t>shared</a:t>
-            </a:r>
-            <a:endParaRPr lang="fr-FR" dirty="0" smtClean="0"/>
-          </a:p>
-          <a:p>
-            <a:endParaRPr lang="fr-FR" dirty="0"/>
-          </a:p>
-        </p:txBody>
-      </p:sp>
-      <p:pic>
-        <p:nvPicPr>
-          <p:cNvPr id="4" name="Image 3"/>
-          <p:cNvPicPr>
-            <a:picLocks noChangeAspect="1"/>
-          </p:cNvPicPr>
-          <p:nvPr/>
-        </p:nvPicPr>
-        <p:blipFill>
-          <a:blip r:embed="rId2"/>
-          <a:stretch>
-            <a:fillRect/>
-          </a:stretch>
-        </p:blipFill>
-        <p:spPr>
-          <a:xfrm>
-            <a:off x="539552" y="2780928"/>
-            <a:ext cx="7598310" cy="2880320"/>
-          </a:xfrm>
-          <a:prstGeom prst="rect">
-            <a:avLst/>
-          </a:prstGeom>
-        </p:spPr>
-      </p:pic>
-    </p:spTree>
-    <p:extLst>
-      <p:ext uri="{BB962C8B-B14F-4D97-AF65-F5344CB8AC3E}">
-        <p14:creationId xmlns:p14="http://schemas.microsoft.com/office/powerpoint/2010/main" val="469909623"/>
-      </p:ext>
-    </p:extLst>
-  </p:cSld>
-  <p:clrMapOvr>
-    <a:masterClrMapping/>
-  </p:clrMapOvr>
-</p:sld>
-</file>
-
-<file path=ppt/slides/slide15.xml><?xml version="1.0" encoding="utf-8"?>
-<p:sld xmlns:a="http://schemas.openxmlformats.org/drawingml/2006/main" xmlns:r="http://schemas.openxmlformats.org/officeDocument/2006/relationships" xmlns:p="http://schemas.openxmlformats.org/presentationml/2006/main">
-  <p:cSld>
-    <p:spTree>
-      <p:nvGrpSpPr>
-        <p:cNvPr id="1" name=""/>
-        <p:cNvGrpSpPr/>
-        <p:nvPr/>
-      </p:nvGrpSpPr>
-      <p:grpSpPr>
-        <a:xfrm>
-          <a:off x="0" y="0"/>
-          <a:ext cx="0" cy="0"/>
-          <a:chOff x="0" y="0"/>
-          <a:chExt cx="0" cy="0"/>
-        </a:xfrm>
-      </p:grpSpPr>
-      <p:sp>
-        <p:nvSpPr>
-          <p:cNvPr id="2" name="Titre 1"/>
-          <p:cNvSpPr>
-            <a:spLocks noGrp="1"/>
-          </p:cNvSpPr>
-          <p:nvPr>
-            <p:ph type="title"/>
-          </p:nvPr>
-        </p:nvSpPr>
-        <p:spPr/>
-        <p:txBody>
-          <a:bodyPr/>
-          <a:lstStyle/>
-          <a:p>
-            <a:r>
-              <a:rPr lang="fr-FR" dirty="0" smtClean="0"/>
-              <a:t>Classes CSS de validation</a:t>
-            </a:r>
-            <a:endParaRPr lang="fr-FR" dirty="0"/>
-          </a:p>
-        </p:txBody>
-      </p:sp>
-      <p:sp>
-        <p:nvSpPr>
-          <p:cNvPr id="3" name="Espace réservé du contenu 2"/>
-          <p:cNvSpPr>
-            <a:spLocks noGrp="1"/>
-          </p:cNvSpPr>
-          <p:nvPr>
-            <p:ph idx="1"/>
-          </p:nvPr>
-        </p:nvSpPr>
-        <p:spPr/>
-        <p:txBody>
-          <a:bodyPr/>
-          <a:lstStyle/>
-          <a:p>
-            <a:r>
-              <a:rPr lang="fr-FR" dirty="0" smtClean="0"/>
-              <a:t>De nombreuses classes de validation doivent être implémentées</a:t>
-            </a:r>
-          </a:p>
-          <a:p>
-            <a:pPr lvl="1"/>
-            <a:r>
-              <a:rPr lang="fr-FR" dirty="0"/>
-              <a:t>.</a:t>
-            </a:r>
-            <a:r>
-              <a:rPr lang="fr-FR" dirty="0" err="1"/>
-              <a:t>ng-valid</a:t>
-            </a:r>
-            <a:endParaRPr lang="fr-FR" dirty="0"/>
-          </a:p>
-          <a:p>
-            <a:pPr lvl="1"/>
-            <a:r>
-              <a:rPr lang="fr-FR" dirty="0"/>
-              <a:t>.</a:t>
-            </a:r>
-            <a:r>
-              <a:rPr lang="fr-FR" dirty="0" err="1"/>
-              <a:t>ng-invalid</a:t>
-            </a:r>
-            <a:endParaRPr lang="fr-FR" dirty="0"/>
-          </a:p>
-          <a:p>
-            <a:pPr lvl="1"/>
-            <a:r>
-              <a:rPr lang="fr-FR" dirty="0"/>
-              <a:t>.</a:t>
-            </a:r>
-            <a:r>
-              <a:rPr lang="fr-FR" dirty="0" err="1"/>
-              <a:t>ng-pending</a:t>
-            </a:r>
-            <a:endParaRPr lang="fr-FR" dirty="0"/>
-          </a:p>
-          <a:p>
-            <a:pPr lvl="1"/>
-            <a:r>
-              <a:rPr lang="fr-FR" dirty="0"/>
-              <a:t>.</a:t>
-            </a:r>
-            <a:r>
-              <a:rPr lang="fr-FR" dirty="0" err="1"/>
-              <a:t>ng-pristine</a:t>
-            </a:r>
-            <a:endParaRPr lang="fr-FR" dirty="0"/>
-          </a:p>
-          <a:p>
-            <a:pPr lvl="1"/>
-            <a:r>
-              <a:rPr lang="fr-FR" dirty="0"/>
-              <a:t>.</a:t>
-            </a:r>
-            <a:r>
-              <a:rPr lang="fr-FR" dirty="0" err="1"/>
-              <a:t>ng-dirty</a:t>
-            </a:r>
-            <a:endParaRPr lang="fr-FR" dirty="0"/>
-          </a:p>
-          <a:p>
-            <a:pPr lvl="1"/>
-            <a:r>
-              <a:rPr lang="fr-FR" dirty="0"/>
-              <a:t>.</a:t>
-            </a:r>
-            <a:r>
-              <a:rPr lang="fr-FR" dirty="0" err="1"/>
-              <a:t>ng-untouched</a:t>
-            </a:r>
-            <a:endParaRPr lang="fr-FR" dirty="0"/>
-          </a:p>
-          <a:p>
-            <a:pPr lvl="1"/>
-            <a:r>
-              <a:rPr lang="fr-FR" dirty="0"/>
-              <a:t>.</a:t>
-            </a:r>
-            <a:r>
-              <a:rPr lang="fr-FR" dirty="0" err="1"/>
-              <a:t>ng-touched</a:t>
-            </a:r>
-            <a:endParaRPr lang="fr-FR" dirty="0"/>
-          </a:p>
-        </p:txBody>
-      </p:sp>
-    </p:spTree>
-    <p:extLst>
-      <p:ext uri="{BB962C8B-B14F-4D97-AF65-F5344CB8AC3E}">
-        <p14:creationId xmlns:p14="http://schemas.microsoft.com/office/powerpoint/2010/main" val="3186534721"/>
-      </p:ext>
-    </p:extLst>
-  </p:cSld>
-  <p:clrMapOvr>
-    <a:masterClrMapping/>
-  </p:clrMapOvr>
-</p:sld>
-</file>
-
-<file path=ppt/slides/slide16.xml><?xml version="1.0" encoding="utf-8"?>
 <p:sld xmlns:a="http://schemas.openxmlformats.org/drawingml/2006/main" xmlns:r="http://schemas.openxmlformats.org/officeDocument/2006/relationships" xmlns:p="http://schemas.openxmlformats.org/presentationml/2006/main">
   <p:cSld>
     <p:spTree>
@@ -5174,7 +5044,288 @@
     </p:spTree>
     <p:extLst>
       <p:ext uri="{BB962C8B-B14F-4D97-AF65-F5344CB8AC3E}">
-        <p14:creationId xmlns:p14="http://schemas.microsoft.com/office/powerpoint/2010/main" val="2122709470"/>
+        <p14:creationId xmlns:p14="http://schemas.microsoft.com/office/powerpoint/2010/main" val="2103786111"/>
+      </p:ext>
+    </p:extLst>
+  </p:cSld>
+  <p:clrMapOvr>
+    <a:masterClrMapping/>
+  </p:clrMapOvr>
+  <p:timing>
+    <p:tnLst>
+      <p:par>
+        <p:cTn id="1" dur="indefinite" restart="never" nodeType="tmRoot"/>
+      </p:par>
+    </p:tnLst>
+  </p:timing>
+</p:sld>
+</file>
+
+<file path=ppt/slides/slide15.xml><?xml version="1.0" encoding="utf-8"?>
+<p:sld xmlns:a="http://schemas.openxmlformats.org/drawingml/2006/main" xmlns:r="http://schemas.openxmlformats.org/officeDocument/2006/relationships" xmlns:p="http://schemas.openxmlformats.org/presentationml/2006/main">
+  <p:cSld>
+    <p:spTree>
+      <p:nvGrpSpPr>
+        <p:cNvPr id="1" name=""/>
+        <p:cNvGrpSpPr/>
+        <p:nvPr/>
+      </p:nvGrpSpPr>
+      <p:grpSpPr>
+        <a:xfrm>
+          <a:off x="0" y="0"/>
+          <a:ext cx="0" cy="0"/>
+          <a:chOff x="0" y="0"/>
+          <a:chExt cx="0" cy="0"/>
+        </a:xfrm>
+      </p:grpSpPr>
+      <p:sp>
+        <p:nvSpPr>
+          <p:cNvPr id="2" name="Titre 1"/>
+          <p:cNvSpPr>
+            <a:spLocks noGrp="1"/>
+          </p:cNvSpPr>
+          <p:nvPr>
+            <p:ph type="title"/>
+          </p:nvPr>
+        </p:nvSpPr>
+        <p:spPr/>
+        <p:txBody>
+          <a:bodyPr/>
+          <a:lstStyle/>
+          <a:p>
+            <a:r>
+              <a:rPr lang="fr-FR" dirty="0" smtClean="0"/>
+              <a:t>CSS de validation</a:t>
+            </a:r>
+            <a:endParaRPr lang="fr-FR" dirty="0"/>
+          </a:p>
+        </p:txBody>
+      </p:sp>
+      <p:sp>
+        <p:nvSpPr>
+          <p:cNvPr id="3" name="Espace réservé du contenu 2"/>
+          <p:cNvSpPr>
+            <a:spLocks noGrp="1"/>
+          </p:cNvSpPr>
+          <p:nvPr>
+            <p:ph idx="1"/>
+          </p:nvPr>
+        </p:nvSpPr>
+        <p:spPr/>
+        <p:txBody>
+          <a:bodyPr/>
+          <a:lstStyle/>
+          <a:p>
+            <a:r>
+              <a:rPr lang="fr-FR" dirty="0" smtClean="0"/>
+              <a:t>Le changement de classe CSS est automatique</a:t>
+            </a:r>
+          </a:p>
+          <a:p>
+            <a:r>
+              <a:rPr lang="fr-FR" dirty="0" smtClean="0"/>
+              <a:t>Passage à </a:t>
+            </a:r>
+            <a:r>
+              <a:rPr lang="fr-FR" dirty="0" err="1" smtClean="0"/>
+              <a:t>NgValid</a:t>
+            </a:r>
+            <a:r>
+              <a:rPr lang="fr-FR" dirty="0" smtClean="0"/>
+              <a:t> ou </a:t>
+            </a:r>
+            <a:r>
+              <a:rPr lang="fr-FR" dirty="0" err="1" smtClean="0"/>
+              <a:t>NgInvalid</a:t>
+            </a:r>
+            <a:r>
+              <a:rPr lang="fr-FR" dirty="0" smtClean="0"/>
+              <a:t> automatique en fonction de la saisie</a:t>
+            </a:r>
+          </a:p>
+          <a:p>
+            <a:r>
+              <a:rPr lang="fr-FR" dirty="0" err="1" smtClean="0"/>
+              <a:t>NgDirty</a:t>
+            </a:r>
+            <a:r>
+              <a:rPr lang="fr-FR" dirty="0" smtClean="0"/>
+              <a:t> indique que le champ est en cours de saisie avant l'envoie du formulaire</a:t>
+            </a:r>
+          </a:p>
+          <a:p>
+            <a:r>
+              <a:rPr lang="fr-FR" dirty="0" err="1" smtClean="0"/>
+              <a:t>NgPristine</a:t>
+            </a:r>
+            <a:r>
+              <a:rPr lang="fr-FR" dirty="0" smtClean="0"/>
+              <a:t> indique que le champ n'a pas changé</a:t>
+            </a:r>
+            <a:endParaRPr lang="fr-FR" dirty="0"/>
+          </a:p>
+        </p:txBody>
+      </p:sp>
+    </p:spTree>
+    <p:extLst>
+      <p:ext uri="{BB962C8B-B14F-4D97-AF65-F5344CB8AC3E}">
+        <p14:creationId xmlns:p14="http://schemas.microsoft.com/office/powerpoint/2010/main" val="1073190428"/>
+      </p:ext>
+    </p:extLst>
+  </p:cSld>
+  <p:clrMapOvr>
+    <a:masterClrMapping/>
+  </p:clrMapOvr>
+  <p:timing>
+    <p:tnLst>
+      <p:par>
+        <p:cTn id="1" dur="indefinite" restart="never" nodeType="tmRoot"/>
+      </p:par>
+    </p:tnLst>
+  </p:timing>
+</p:sld>
+</file>
+
+<file path=ppt/slides/slide16.xml><?xml version="1.0" encoding="utf-8"?>
+<p:sld xmlns:a="http://schemas.openxmlformats.org/drawingml/2006/main" xmlns:r="http://schemas.openxmlformats.org/officeDocument/2006/relationships" xmlns:p="http://schemas.openxmlformats.org/presentationml/2006/main">
+  <p:cSld>
+    <p:spTree>
+      <p:nvGrpSpPr>
+        <p:cNvPr id="1" name=""/>
+        <p:cNvGrpSpPr/>
+        <p:nvPr/>
+      </p:nvGrpSpPr>
+      <p:grpSpPr>
+        <a:xfrm>
+          <a:off x="0" y="0"/>
+          <a:ext cx="0" cy="0"/>
+          <a:chOff x="0" y="0"/>
+          <a:chExt cx="0" cy="0"/>
+        </a:xfrm>
+      </p:grpSpPr>
+      <p:sp>
+        <p:nvSpPr>
+          <p:cNvPr id="2" name="Titre 1"/>
+          <p:cNvSpPr>
+            <a:spLocks noGrp="1"/>
+          </p:cNvSpPr>
+          <p:nvPr>
+            <p:ph type="title"/>
+          </p:nvPr>
+        </p:nvSpPr>
+        <p:spPr/>
+        <p:txBody>
+          <a:bodyPr/>
+          <a:lstStyle/>
+          <a:p>
+            <a:r>
+              <a:rPr lang="fr-FR" dirty="0" smtClean="0"/>
+              <a:t>Validation</a:t>
+            </a:r>
+            <a:endParaRPr lang="fr-FR" dirty="0"/>
+          </a:p>
+        </p:txBody>
+      </p:sp>
+      <p:sp>
+        <p:nvSpPr>
+          <p:cNvPr id="3" name="Espace réservé du contenu 2"/>
+          <p:cNvSpPr>
+            <a:spLocks noGrp="1"/>
+          </p:cNvSpPr>
+          <p:nvPr>
+            <p:ph idx="1"/>
+          </p:nvPr>
+        </p:nvSpPr>
+        <p:spPr>
+          <a:xfrm>
+            <a:off x="179513" y="1412776"/>
+            <a:ext cx="4680520" cy="5040560"/>
+          </a:xfrm>
+        </p:spPr>
+        <p:txBody>
+          <a:bodyPr/>
+          <a:lstStyle/>
+          <a:p>
+            <a:r>
+              <a:rPr lang="fr-FR" dirty="0" err="1" smtClean="0"/>
+              <a:t>Angular</a:t>
+            </a:r>
+            <a:r>
+              <a:rPr lang="fr-FR" dirty="0" smtClean="0"/>
+              <a:t> est compatible avec les validations de formulaire HTML 5</a:t>
+            </a:r>
+          </a:p>
+          <a:p>
+            <a:pPr lvl="1"/>
+            <a:r>
+              <a:rPr lang="fr-FR" dirty="0" smtClean="0"/>
+              <a:t>Le formulaire doit être nommé</a:t>
+            </a:r>
+          </a:p>
+          <a:p>
+            <a:r>
+              <a:rPr lang="fr-FR" dirty="0" smtClean="0"/>
+              <a:t>Nouvelles propriétés</a:t>
+            </a:r>
+          </a:p>
+          <a:p>
+            <a:pPr lvl="1"/>
+            <a:r>
+              <a:rPr lang="fr-FR" dirty="0" err="1" smtClean="0"/>
+              <a:t>invalid</a:t>
+            </a:r>
+            <a:r>
+              <a:rPr lang="fr-FR" dirty="0" smtClean="0"/>
+              <a:t>, </a:t>
+            </a:r>
+            <a:r>
+              <a:rPr lang="fr-FR" dirty="0" err="1" smtClean="0"/>
+              <a:t>touch</a:t>
+            </a:r>
+            <a:r>
+              <a:rPr lang="fr-FR" dirty="0" smtClean="0"/>
+              <a:t>, </a:t>
+            </a:r>
+            <a:r>
+              <a:rPr lang="fr-FR" dirty="0" err="1" smtClean="0"/>
+              <a:t>dirty</a:t>
+            </a:r>
+            <a:endParaRPr lang="fr-FR" dirty="0" smtClean="0"/>
+          </a:p>
+          <a:p>
+            <a:pPr lvl="1"/>
+            <a:endParaRPr lang="fr-FR" dirty="0"/>
+          </a:p>
+        </p:txBody>
+      </p:sp>
+      <p:pic>
+        <p:nvPicPr>
+          <p:cNvPr id="4" name="Image 3"/>
+          <p:cNvPicPr>
+            <a:picLocks noChangeAspect="1"/>
+          </p:cNvPicPr>
+          <p:nvPr/>
+        </p:nvPicPr>
+        <p:blipFill>
+          <a:blip r:embed="rId2"/>
+          <a:stretch>
+            <a:fillRect/>
+          </a:stretch>
+        </p:blipFill>
+        <p:spPr>
+          <a:xfrm>
+            <a:off x="4860032" y="1437892"/>
+            <a:ext cx="4562475" cy="4695825"/>
+          </a:xfrm>
+          <a:prstGeom prst="rect">
+            <a:avLst/>
+          </a:prstGeom>
+        </p:spPr>
+      </p:pic>
+    </p:spTree>
+    <p:extLst>
+      <p:ext uri="{BB962C8B-B14F-4D97-AF65-F5344CB8AC3E}">
+        <p14:creationId xmlns:p14="http://schemas.microsoft.com/office/powerpoint/2010/main" val="3059542152"/>
       </p:ext>
     </p:extLst>
   </p:cSld>
@@ -5225,7 +5376,7 @@
           <a:p>
             <a:r>
               <a:rPr lang="fr-FR" dirty="0" smtClean="0"/>
-              <a:t>CSS de validation</a:t>
+              <a:t>Validation dans le composant</a:t>
             </a:r>
             <a:endParaRPr lang="fr-FR" dirty="0"/>
           </a:p>
@@ -5248,58 +5399,47 @@
           <a:p>
             <a:r>
               <a:rPr lang="fr-FR" dirty="0" smtClean="0"/>
-              <a:t>Le changement de classe CSS est automatique</a:t>
-            </a:r>
-          </a:p>
-          <a:p>
-            <a:r>
-              <a:rPr lang="fr-FR" dirty="0" smtClean="0"/>
-              <a:t>Passage à </a:t>
-            </a:r>
-            <a:r>
-              <a:rPr lang="fr-FR" dirty="0" err="1" smtClean="0"/>
-              <a:t>NgValid</a:t>
-            </a:r>
-            <a:r>
-              <a:rPr lang="fr-FR" dirty="0" smtClean="0"/>
-              <a:t> ou </a:t>
-            </a:r>
-            <a:r>
-              <a:rPr lang="fr-FR" dirty="0" err="1" smtClean="0"/>
-              <a:t>NgInvalid</a:t>
-            </a:r>
-            <a:r>
-              <a:rPr lang="fr-FR" dirty="0" smtClean="0"/>
-              <a:t> automatique en fonction de la saisie</a:t>
-            </a:r>
-          </a:p>
-          <a:p>
-            <a:r>
-              <a:rPr lang="fr-FR" dirty="0" err="1" smtClean="0"/>
-              <a:t>NgDirty</a:t>
-            </a:r>
-            <a:r>
-              <a:rPr lang="fr-FR" dirty="0" smtClean="0"/>
-              <a:t> indique que le champ est en cours de saisie avant l'envoie du formulaire</a:t>
-            </a:r>
-          </a:p>
-          <a:p>
-            <a:r>
-              <a:rPr lang="fr-FR" dirty="0" err="1" smtClean="0"/>
-              <a:t>NgPristine</a:t>
-            </a:r>
-            <a:r>
-              <a:rPr lang="fr-FR" dirty="0" smtClean="0"/>
-              <a:t> indique que le champ n'a pas changé</a:t>
+              <a:t>Il est possible de surcharger la validation HTML 5 directement dans la classe du composant</a:t>
+            </a:r>
+          </a:p>
+          <a:p>
+            <a:pPr lvl="1"/>
+            <a:r>
+              <a:rPr lang="fr-FR" dirty="0" smtClean="0"/>
+              <a:t>Il est alors possible de créer son propre validateur</a:t>
             </a:r>
             <a:endParaRPr lang="fr-FR" dirty="0"/>
           </a:p>
         </p:txBody>
       </p:sp>
+      <p:pic>
+        <p:nvPicPr>
+          <p:cNvPr id="4" name="Image 3"/>
+          <p:cNvPicPr>
+            <a:picLocks noChangeAspect="1"/>
+          </p:cNvPicPr>
+          <p:nvPr/>
+        </p:nvPicPr>
+        <p:blipFill>
+          <a:blip r:embed="rId2"/>
+          <a:stretch>
+            <a:fillRect/>
+          </a:stretch>
+        </p:blipFill>
+        <p:spPr>
+          <a:xfrm>
+            <a:off x="755576" y="2852936"/>
+            <a:ext cx="7722680" cy="3456384"/>
+          </a:xfrm>
+          <a:prstGeom prst="rect">
+            <a:avLst/>
+          </a:prstGeom>
+        </p:spPr>
+      </p:pic>
     </p:spTree>
     <p:extLst>
       <p:ext uri="{BB962C8B-B14F-4D97-AF65-F5344CB8AC3E}">
-        <p14:creationId xmlns:p14="http://schemas.microsoft.com/office/powerpoint/2010/main" val="1735138282"/>
+        <p14:creationId xmlns:p14="http://schemas.microsoft.com/office/powerpoint/2010/main" val="3939227487"/>
       </p:ext>
     </p:extLst>
   </p:cSld>
@@ -5350,7 +5490,11 @@
           <a:p>
             <a:r>
               <a:rPr lang="fr-FR" dirty="0" smtClean="0"/>
-              <a:t>Validation automatique</a:t>
+              <a:t>Custom </a:t>
+            </a:r>
+            <a:r>
+              <a:rPr lang="fr-FR" dirty="0" err="1" smtClean="0"/>
+              <a:t>Validator</a:t>
             </a:r>
             <a:endParaRPr lang="fr-FR" dirty="0"/>
           </a:p>
@@ -5372,154 +5516,48 @@
           <a:lstStyle/>
           <a:p>
             <a:r>
+              <a:rPr lang="fr-FR" dirty="0" smtClean="0"/>
+              <a:t>Notez le répertoire </a:t>
+            </a:r>
+            <a:r>
               <a:rPr lang="fr-FR" dirty="0" err="1" smtClean="0"/>
-              <a:t>Required</a:t>
+              <a:t>shared</a:t>
             </a:r>
             <a:endParaRPr lang="fr-FR" dirty="0" smtClean="0"/>
           </a:p>
           <a:p>
-            <a:r>
-              <a:rPr lang="fr-FR" dirty="0" smtClean="0"/>
-              <a:t>Validation </a:t>
-            </a:r>
-            <a:r>
-              <a:rPr lang="fr-FR" dirty="0" smtClean="0"/>
-              <a:t>en fonction du type du champ</a:t>
-            </a:r>
-          </a:p>
-          <a:p>
-            <a:endParaRPr lang="fr-FR" dirty="0"/>
-          </a:p>
-          <a:p>
-            <a:endParaRPr lang="fr-FR" dirty="0" smtClean="0"/>
-          </a:p>
-          <a:p>
-            <a:endParaRPr lang="fr-FR" dirty="0"/>
-          </a:p>
-          <a:p>
-            <a:endParaRPr lang="fr-FR" dirty="0" smtClean="0"/>
-          </a:p>
-          <a:p>
-            <a:r>
-              <a:rPr lang="fr-FR" dirty="0" smtClean="0"/>
-              <a:t>Validation en fonction de la longueur</a:t>
-            </a:r>
             <a:endParaRPr lang="fr-FR" dirty="0"/>
           </a:p>
         </p:txBody>
       </p:sp>
       <p:pic>
         <p:nvPicPr>
-          <p:cNvPr id="5122" name="Picture 2"/>
+          <p:cNvPr id="4" name="Image 3"/>
           <p:cNvPicPr>
-            <a:picLocks noChangeAspect="1" noChangeArrowheads="1"/>
+            <a:picLocks noChangeAspect="1"/>
           </p:cNvPicPr>
           <p:nvPr/>
         </p:nvPicPr>
         <p:blipFill>
-          <a:blip r:embed="rId2">
-            <a:extLst>
-              <a:ext uri="{28A0092B-C50C-407E-A947-70E740481C1C}">
-                <a14:useLocalDpi xmlns:a14="http://schemas.microsoft.com/office/drawing/2010/main" val="0"/>
-              </a:ext>
-            </a:extLst>
-          </a:blip>
-          <a:srcRect/>
+          <a:blip r:embed="rId2"/>
           <a:stretch>
             <a:fillRect/>
           </a:stretch>
         </p:blipFill>
-        <p:spPr bwMode="auto">
+        <p:spPr>
           <a:xfrm>
-            <a:off x="1979712" y="2395736"/>
-            <a:ext cx="5753100" cy="1943100"/>
+            <a:off x="539552" y="2780928"/>
+            <a:ext cx="7598310" cy="2880320"/>
           </a:xfrm>
           <a:prstGeom prst="rect">
             <a:avLst/>
           </a:prstGeom>
-          <a:noFill/>
-          <a:ln>
-            <a:noFill/>
-          </a:ln>
-          <a:extLst>
-            <a:ext uri="{909E8E84-426E-40DD-AFC4-6F175D3DCCD1}">
-              <a14:hiddenFill xmlns:a14="http://schemas.microsoft.com/office/drawing/2010/main">
-                <a:solidFill>
-                  <a:schemeClr val="accent1"/>
-                </a:solidFill>
-              </a14:hiddenFill>
-            </a:ext>
-            <a:ext uri="{91240B29-F687-4F45-9708-019B960494DF}">
-              <a14:hiddenLine xmlns:a14="http://schemas.microsoft.com/office/drawing/2010/main" w="9525">
-                <a:solidFill>
-                  <a:schemeClr val="tx1"/>
-                </a:solidFill>
-                <a:miter lim="800000"/>
-                <a:headEnd/>
-                <a:tailEnd/>
-              </a14:hiddenLine>
-            </a:ext>
-          </a:extLst>
-        </p:spPr>
-      </p:pic>
-      <p:pic>
-        <p:nvPicPr>
-          <p:cNvPr id="5123" name="Picture 3"/>
-          <p:cNvPicPr>
-            <a:picLocks noChangeAspect="1" noChangeArrowheads="1"/>
-          </p:cNvPicPr>
-          <p:nvPr/>
-        </p:nvPicPr>
-        <p:blipFill>
-          <a:blip r:embed="rId3">
-            <a:extLst>
-              <a:ext uri="{28A0092B-C50C-407E-A947-70E740481C1C}">
-                <a14:useLocalDpi xmlns:a14="http://schemas.microsoft.com/office/drawing/2010/main" val="0"/>
-              </a:ext>
-            </a:extLst>
-          </a:blip>
-          <a:srcRect/>
-          <a:stretch>
-            <a:fillRect/>
-          </a:stretch>
-        </p:blipFill>
-        <p:spPr bwMode="auto">
-          <a:xfrm>
-            <a:off x="3635896" y="5064621"/>
-            <a:ext cx="1685925" cy="514350"/>
-          </a:xfrm>
-          <a:prstGeom prst="rect">
-            <a:avLst/>
-          </a:prstGeom>
-          <a:noFill/>
-          <a:ln>
-            <a:noFill/>
-          </a:ln>
-          <a:extLst>
-            <a:ext uri="{909E8E84-426E-40DD-AFC4-6F175D3DCCD1}">
-              <a14:hiddenFill xmlns:a14="http://schemas.microsoft.com/office/drawing/2010/main">
-                <a:solidFill>
-                  <a:schemeClr val="accent1"/>
-                </a:solidFill>
-              </a14:hiddenFill>
-            </a:ext>
-            <a:ext uri="{91240B29-F687-4F45-9708-019B960494DF}">
-              <a14:hiddenLine xmlns:a14="http://schemas.microsoft.com/office/drawing/2010/main" w="9525">
-                <a:solidFill>
-                  <a:schemeClr val="tx1"/>
-                </a:solidFill>
-                <a:miter lim="800000"/>
-                <a:headEnd/>
-                <a:tailEnd/>
-              </a14:hiddenLine>
-            </a:ext>
-          </a:extLst>
         </p:spPr>
       </p:pic>
     </p:spTree>
     <p:extLst>
       <p:ext uri="{BB962C8B-B14F-4D97-AF65-F5344CB8AC3E}">
-        <p14:creationId xmlns:p14="http://schemas.microsoft.com/office/powerpoint/2010/main" val="747956030"/>
+        <p14:creationId xmlns:p14="http://schemas.microsoft.com/office/powerpoint/2010/main" val="469909623"/>
       </p:ext>
     </p:extLst>
   </p:cSld>
@@ -5826,6 +5864,13 @@
   <p:clrMapOvr>
     <a:masterClrMapping/>
   </p:clrMapOvr>
+  <p:timing>
+    <p:tnLst>
+      <p:par>
+        <p:cTn id="1" dur="indefinite" restart="never" nodeType="tmRoot"/>
+      </p:par>
+    </p:tnLst>
+  </p:timing>
 </p:sld>
 </file>
 
@@ -6213,6 +6258,13 @@
   <p:clrMapOvr>
     <a:masterClrMapping/>
   </p:clrMapOvr>
+  <p:timing>
+    <p:tnLst>
+      <p:par>
+        <p:cTn id="1" dur="indefinite" restart="never" nodeType="tmRoot"/>
+      </p:par>
+    </p:tnLst>
+  </p:timing>
 </p:sld>
 </file>
 
@@ -6393,6 +6445,13 @@
   <p:clrMapOvr>
     <a:masterClrMapping/>
   </p:clrMapOvr>
+  <p:timing>
+    <p:tnLst>
+      <p:par>
+        <p:cTn id="1" dur="indefinite" restart="never" nodeType="tmRoot"/>
+      </p:par>
+    </p:tnLst>
+  </p:timing>
 </p:sld>
 </file>
 
@@ -6579,6 +6638,13 @@
   <p:clrMapOvr>
     <a:masterClrMapping/>
   </p:clrMapOvr>
+  <p:timing>
+    <p:tnLst>
+      <p:par>
+        <p:cTn id="1" dur="indefinite" restart="never" nodeType="tmRoot"/>
+      </p:par>
+    </p:tnLst>
+  </p:timing>
 </p:sld>
 </file>
 
@@ -6736,6 +6802,13 @@
   <p:clrMapOvr>
     <a:masterClrMapping/>
   </p:clrMapOvr>
+  <p:timing>
+    <p:tnLst>
+      <p:par>
+        <p:cTn id="1" dur="indefinite" restart="never" nodeType="tmRoot"/>
+      </p:par>
+    </p:tnLst>
+  </p:timing>
 </p:sld>
 </file>
 
@@ -6905,6 +6978,13 @@
   <p:clrMapOvr>
     <a:masterClrMapping/>
   </p:clrMapOvr>
+  <p:timing>
+    <p:tnLst>
+      <p:par>
+        <p:cTn id="1" dur="indefinite" restart="never" nodeType="tmRoot"/>
+      </p:par>
+    </p:tnLst>
+  </p:timing>
 </p:sld>
 </file>
 

--- a/PPT/Angular06-Binding.pptx
+++ b/PPT/Angular06-Binding.pptx
@@ -5238,8 +5238,8 @@
         </p:nvSpPr>
         <p:spPr>
           <a:xfrm>
-            <a:off x="179513" y="1412776"/>
-            <a:ext cx="4680520" cy="5040560"/>
+            <a:off x="179512" y="1412776"/>
+            <a:ext cx="8524875" cy="3168352"/>
           </a:xfrm>
         </p:spPr>
         <p:txBody>
@@ -5300,7 +5300,7 @@
       </p:sp>
       <p:pic>
         <p:nvPicPr>
-          <p:cNvPr id="4" name="Image 3"/>
+          <p:cNvPr id="5" name="Image 4"/>
           <p:cNvPicPr>
             <a:picLocks noChangeAspect="1"/>
           </p:cNvPicPr>
@@ -5314,8 +5314,8 @@
         </p:blipFill>
         <p:spPr>
           <a:xfrm>
-            <a:off x="4860032" y="1437892"/>
-            <a:ext cx="4562475" cy="4695825"/>
+            <a:off x="179512" y="4023307"/>
+            <a:ext cx="8524875" cy="1628775"/>
           </a:xfrm>
           <a:prstGeom prst="rect">
             <a:avLst/>

--- a/PPT/Angular06-Binding.pptx
+++ b/PPT/Angular06-Binding.pptx
@@ -5,10 +5,10 @@
     <p:sldMasterId id="2147483653" r:id="rId1"/>
   </p:sldMasterIdLst>
   <p:notesMasterIdLst>
-    <p:notesMasterId r:id="rId20"/>
+    <p:notesMasterId r:id="rId21"/>
   </p:notesMasterIdLst>
   <p:handoutMasterIdLst>
-    <p:handoutMasterId r:id="rId21"/>
+    <p:handoutMasterId r:id="rId22"/>
   </p:handoutMasterIdLst>
   <p:sldIdLst>
     <p:sldId id="264" r:id="rId2"/>
@@ -27,8 +27,9 @@
     <p:sldId id="293" r:id="rId15"/>
     <p:sldId id="294" r:id="rId16"/>
     <p:sldId id="289" r:id="rId17"/>
-    <p:sldId id="290" r:id="rId18"/>
-    <p:sldId id="291" r:id="rId19"/>
+    <p:sldId id="296" r:id="rId18"/>
+    <p:sldId id="290" r:id="rId19"/>
+    <p:sldId id="291" r:id="rId20"/>
   </p:sldIdLst>
   <p:sldSz cx="9144000" cy="6858000" type="screen4x3"/>
   <p:notesSz cx="6648450" cy="9782175"/>
@@ -5252,20 +5253,25 @@
             </a:r>
             <a:r>
               <a:rPr lang="fr-FR" dirty="0" smtClean="0"/>
-              <a:t> est compatible avec les validations de formulaire HTML 5</a:t>
-            </a:r>
-          </a:p>
-          <a:p>
-            <a:pPr lvl="1"/>
-            <a:r>
-              <a:rPr lang="fr-FR" dirty="0" smtClean="0"/>
-              <a:t>Le formulaire doit être nommé</a:t>
-            </a:r>
-          </a:p>
-          <a:p>
-            <a:r>
-              <a:rPr lang="fr-FR" dirty="0" smtClean="0"/>
-              <a:t>Nouvelles propriétés</a:t>
+              <a:t> est compatible avec les validations de </a:t>
+            </a:r>
+            <a:r>
+              <a:rPr lang="fr-FR" dirty="0" smtClean="0"/>
+              <a:t>HTML </a:t>
+            </a:r>
+            <a:r>
+              <a:rPr lang="fr-FR" dirty="0" smtClean="0"/>
+              <a:t>5</a:t>
+            </a:r>
+          </a:p>
+          <a:p>
+            <a:r>
+              <a:rPr lang="fr-FR" dirty="0" smtClean="0"/>
+              <a:t>Nouvelles </a:t>
+            </a:r>
+            <a:r>
+              <a:rPr lang="fr-FR" dirty="0" smtClean="0"/>
+              <a:t>propriétés</a:t>
             </a:r>
           </a:p>
           <a:p>
@@ -5376,6 +5382,137 @@
           <a:p>
             <a:r>
               <a:rPr lang="fr-FR" dirty="0" smtClean="0"/>
+              <a:t>Validation de formulaire</a:t>
+            </a:r>
+            <a:endParaRPr lang="fr-FR" dirty="0"/>
+          </a:p>
+        </p:txBody>
+      </p:sp>
+      <p:sp>
+        <p:nvSpPr>
+          <p:cNvPr id="3" name="Espace réservé du contenu 2"/>
+          <p:cNvSpPr>
+            <a:spLocks noGrp="1"/>
+          </p:cNvSpPr>
+          <p:nvPr>
+            <p:ph idx="1"/>
+          </p:nvPr>
+        </p:nvSpPr>
+        <p:spPr>
+          <a:xfrm>
+            <a:off x="179512" y="1412776"/>
+            <a:ext cx="8524875" cy="3168352"/>
+          </a:xfrm>
+        </p:spPr>
+        <p:txBody>
+          <a:bodyPr/>
+          <a:lstStyle/>
+          <a:p>
+            <a:r>
+              <a:rPr lang="fr-FR" dirty="0" err="1" smtClean="0"/>
+              <a:t>Angular</a:t>
+            </a:r>
+            <a:r>
+              <a:rPr lang="fr-FR" dirty="0" smtClean="0"/>
+              <a:t> est compatible avec les validations de formulaire HTML 5</a:t>
+            </a:r>
+          </a:p>
+          <a:p>
+            <a:pPr lvl="1"/>
+            <a:r>
+              <a:rPr lang="fr-FR" dirty="0" smtClean="0"/>
+              <a:t>Le formulaire doit </a:t>
+            </a:r>
+            <a:r>
+              <a:rPr lang="fr-FR" dirty="0" smtClean="0"/>
+              <a:t>posséder un #</a:t>
+            </a:r>
+            <a:endParaRPr lang="fr-FR" dirty="0" smtClean="0"/>
+          </a:p>
+          <a:p>
+            <a:pPr lvl="1"/>
+            <a:endParaRPr lang="fr-FR" dirty="0"/>
+          </a:p>
+        </p:txBody>
+      </p:sp>
+      <p:pic>
+        <p:nvPicPr>
+          <p:cNvPr id="4" name="Image 3"/>
+          <p:cNvPicPr>
+            <a:picLocks noChangeAspect="1"/>
+          </p:cNvPicPr>
+          <p:nvPr/>
+        </p:nvPicPr>
+        <p:blipFill>
+          <a:blip r:embed="rId2"/>
+          <a:stretch>
+            <a:fillRect/>
+          </a:stretch>
+        </p:blipFill>
+        <p:spPr>
+          <a:xfrm>
+            <a:off x="971600" y="2996952"/>
+            <a:ext cx="7042067" cy="3168352"/>
+          </a:xfrm>
+          <a:prstGeom prst="rect">
+            <a:avLst/>
+          </a:prstGeom>
+        </p:spPr>
+      </p:pic>
+    </p:spTree>
+    <p:extLst>
+      <p:ext uri="{BB962C8B-B14F-4D97-AF65-F5344CB8AC3E}">
+        <p14:creationId xmlns:p14="http://schemas.microsoft.com/office/powerpoint/2010/main" val="2677138303"/>
+      </p:ext>
+    </p:extLst>
+  </p:cSld>
+  <p:clrMapOvr>
+    <a:masterClrMapping/>
+  </p:clrMapOvr>
+  <p:timing>
+    <p:tnLst>
+      <p:par>
+        <p:cTn id="1" dur="indefinite" restart="never" nodeType="tmRoot"/>
+      </p:par>
+    </p:tnLst>
+  </p:timing>
+</p:sld>
+</file>
+
+<file path=ppt/slides/slide18.xml><?xml version="1.0" encoding="utf-8"?>
+<p:sld xmlns:a="http://schemas.openxmlformats.org/drawingml/2006/main" xmlns:r="http://schemas.openxmlformats.org/officeDocument/2006/relationships" xmlns:p="http://schemas.openxmlformats.org/presentationml/2006/main">
+  <p:cSld>
+    <p:spTree>
+      <p:nvGrpSpPr>
+        <p:cNvPr id="1" name=""/>
+        <p:cNvGrpSpPr/>
+        <p:nvPr/>
+      </p:nvGrpSpPr>
+      <p:grpSpPr>
+        <a:xfrm>
+          <a:off x="0" y="0"/>
+          <a:ext cx="0" cy="0"/>
+          <a:chOff x="0" y="0"/>
+          <a:chExt cx="0" cy="0"/>
+        </a:xfrm>
+      </p:grpSpPr>
+      <p:sp>
+        <p:nvSpPr>
+          <p:cNvPr id="2" name="Titre 1"/>
+          <p:cNvSpPr>
+            <a:spLocks noGrp="1"/>
+          </p:cNvSpPr>
+          <p:nvPr>
+            <p:ph type="title"/>
+          </p:nvPr>
+        </p:nvSpPr>
+        <p:spPr/>
+        <p:txBody>
+          <a:bodyPr/>
+          <a:lstStyle/>
+          <a:p>
+            <a:r>
+              <a:rPr lang="fr-FR" dirty="0" smtClean="0"/>
               <a:t>Validation dans le composant</a:t>
             </a:r>
             <a:endParaRPr lang="fr-FR" dirty="0"/>
@@ -5456,7 +5593,7 @@
 </p:sld>
 </file>
 
-<file path=ppt/slides/slide18.xml><?xml version="1.0" encoding="utf-8"?>
+<file path=ppt/slides/slide19.xml><?xml version="1.0" encoding="utf-8"?>
 <p:sld xmlns:a="http://schemas.openxmlformats.org/drawingml/2006/main" xmlns:r="http://schemas.openxmlformats.org/officeDocument/2006/relationships" xmlns:p="http://schemas.openxmlformats.org/presentationml/2006/main">
   <p:cSld>
     <p:spTree>

--- a/PPT/Angular06-Binding.pptx
+++ b/PPT/Angular06-Binding.pptx
@@ -21,7 +21,7 @@
     <p:sldId id="285" r:id="rId9"/>
     <p:sldId id="286" r:id="rId10"/>
     <p:sldId id="287" r:id="rId11"/>
-    <p:sldId id="288" r:id="rId12"/>
+    <p:sldId id="297" r:id="rId12"/>
     <p:sldId id="295" r:id="rId13"/>
     <p:sldId id="292" r:id="rId14"/>
     <p:sldId id="293" r:id="rId15"/>
@@ -4111,8 +4111,8 @@
           <a:lstStyle/>
           <a:p>
             <a:r>
-              <a:rPr lang="fr-FR" dirty="0" err="1" smtClean="0"/>
-              <a:t>ngModelChange</a:t>
+              <a:rPr lang="fr-FR" dirty="0" smtClean="0"/>
+              <a:t>Binding ou interpolation ?</a:t>
             </a:r>
             <a:endParaRPr lang="fr-FR" dirty="0"/>
           </a:p>
@@ -4135,146 +4135,91 @@
           <a:p>
             <a:r>
               <a:rPr lang="fr-FR" dirty="0" smtClean="0"/>
-              <a:t>Evènement lors du changement de </a:t>
-            </a:r>
+              <a:t>Vous avez souvent le choix entre binding et interpolation</a:t>
+            </a:r>
+          </a:p>
+          <a:p>
+            <a:endParaRPr lang="fr-FR" dirty="0"/>
+          </a:p>
+          <a:p>
+            <a:endParaRPr lang="fr-FR" dirty="0" smtClean="0"/>
+          </a:p>
+          <a:p>
+            <a:endParaRPr lang="fr-FR" dirty="0"/>
+          </a:p>
+          <a:p>
+            <a:endParaRPr lang="fr-FR" dirty="0" smtClean="0"/>
+          </a:p>
+          <a:p>
+            <a:r>
+              <a:rPr lang="fr-FR" dirty="0" smtClean="0"/>
+              <a:t>Le binding est plus sécurisé</a:t>
+            </a:r>
+          </a:p>
+          <a:p>
+            <a:pPr lvl="1"/>
+            <a:r>
+              <a:rPr lang="fr-FR" dirty="0" smtClean="0"/>
+              <a:t>Imaginez que</a:t>
+            </a:r>
+          </a:p>
+          <a:p>
+            <a:pPr lvl="1"/>
             <a:r>
               <a:rPr lang="fr-FR" dirty="0" err="1" smtClean="0"/>
-              <a:t>ngModel</a:t>
+              <a:t>title</a:t>
+            </a:r>
+            <a:r>
+              <a:rPr lang="fr-FR" dirty="0" smtClean="0"/>
+              <a:t> = '</a:t>
+            </a:r>
+            <a:r>
+              <a:rPr lang="en-US" dirty="0" smtClean="0"/>
+              <a:t>Hello &lt;script&gt;alert</a:t>
+            </a:r>
+            <a:r>
+              <a:rPr lang="en-US" dirty="0"/>
+              <a:t>("evil never sleeps")&lt;/script</a:t>
+            </a:r>
+            <a:r>
+              <a:rPr lang="en-US" dirty="0" smtClean="0"/>
+              <a:t>&gt;';</a:t>
             </a:r>
             <a:endParaRPr lang="fr-FR" dirty="0" smtClean="0"/>
           </a:p>
           <a:p>
-            <a:pPr lvl="1"/>
-            <a:r>
-              <a:rPr lang="fr-FR" dirty="0"/>
-              <a:t>&lt;</a:t>
-            </a:r>
-            <a:r>
-              <a:rPr lang="fr-FR" dirty="0" smtClean="0"/>
-              <a:t>input [</a:t>
-            </a:r>
-            <a:r>
-              <a:rPr lang="fr-FR" dirty="0" err="1"/>
-              <a:t>ngModel</a:t>
-            </a:r>
-            <a:r>
-              <a:rPr lang="fr-FR" dirty="0"/>
-              <a:t>]="currentHero.name</a:t>
-            </a:r>
-            <a:r>
-              <a:rPr lang="fr-FR" dirty="0" smtClean="0"/>
-              <a:t>"   </a:t>
-            </a:r>
-            <a:r>
-              <a:rPr lang="fr-FR" dirty="0"/>
-              <a:t>(</a:t>
-            </a:r>
-            <a:r>
-              <a:rPr lang="fr-FR" dirty="0" err="1"/>
-              <a:t>ngModelChange</a:t>
-            </a:r>
-            <a:r>
-              <a:rPr lang="fr-FR" dirty="0"/>
-              <a:t>)="</a:t>
-            </a:r>
-            <a:r>
-              <a:rPr lang="fr-FR" dirty="0" err="1"/>
-              <a:t>setUppercaseName</a:t>
-            </a:r>
-            <a:r>
-              <a:rPr lang="fr-FR" dirty="0"/>
-              <a:t>($</a:t>
-            </a:r>
-            <a:r>
-              <a:rPr lang="fr-FR" dirty="0" err="1"/>
-              <a:t>event</a:t>
-            </a:r>
-            <a:r>
-              <a:rPr lang="fr-FR" dirty="0" smtClean="0"/>
-              <a:t>)"&gt;</a:t>
-            </a:r>
-          </a:p>
-          <a:p>
-            <a:pPr lvl="1"/>
-            <a:r>
-              <a:rPr lang="fr-FR" dirty="0" smtClean="0"/>
-              <a:t>Cliquer sur </a:t>
-            </a:r>
-            <a:r>
-              <a:rPr lang="fr-FR" dirty="0" smtClean="0">
-                <a:hlinkClick r:id="rId2"/>
-              </a:rPr>
-              <a:t>https</a:t>
-            </a:r>
-            <a:r>
-              <a:rPr lang="fr-FR" dirty="0">
-                <a:hlinkClick r:id="rId2"/>
-              </a:rPr>
-              <a:t>://</a:t>
-            </a:r>
-            <a:r>
-              <a:rPr lang="fr-FR" dirty="0" smtClean="0">
-                <a:hlinkClick r:id="rId2"/>
-              </a:rPr>
-              <a:t>angular.io/generated/images/guide/template-syntax/ng-model-anim.gif</a:t>
-            </a:r>
-            <a:endParaRPr lang="fr-FR" dirty="0" smtClean="0"/>
-          </a:p>
-          <a:p>
-            <a:pPr lvl="1"/>
-            <a:endParaRPr lang="fr-FR" dirty="0" smtClean="0"/>
-          </a:p>
-          <a:p>
-            <a:pPr lvl="1"/>
             <a:endParaRPr lang="fr-FR" dirty="0"/>
           </a:p>
         </p:txBody>
       </p:sp>
       <p:pic>
         <p:nvPicPr>
-          <p:cNvPr id="1026" name="Picture 2" descr="NgModel variations"/>
+          <p:cNvPr id="4" name="Image 3"/>
           <p:cNvPicPr>
-            <a:picLocks noChangeAspect="1" noChangeArrowheads="1" noCrop="1"/>
+            <a:picLocks noChangeAspect="1"/>
           </p:cNvPicPr>
           <p:nvPr/>
         </p:nvPicPr>
         <p:blipFill>
-          <a:blip r:embed="rId3">
-            <a:extLst>
-              <a:ext uri="{28A0092B-C50C-407E-A947-70E740481C1C}">
-                <a14:useLocalDpi xmlns:a14="http://schemas.microsoft.com/office/drawing/2010/main" val="0"/>
-              </a:ext>
-            </a:extLst>
-          </a:blip>
-          <a:srcRect/>
+          <a:blip r:embed="rId2"/>
           <a:stretch>
             <a:fillRect/>
           </a:stretch>
         </p:blipFill>
-        <p:spPr bwMode="auto">
+        <p:spPr>
           <a:xfrm>
-            <a:off x="899592" y="3933056"/>
-            <a:ext cx="6984776" cy="2651157"/>
+            <a:off x="899592" y="2492896"/>
+            <a:ext cx="7997618" cy="1728192"/>
           </a:xfrm>
           <a:prstGeom prst="rect">
             <a:avLst/>
           </a:prstGeom>
-          <a:noFill/>
-          <a:extLst>
-            <a:ext uri="{909E8E84-426E-40DD-AFC4-6F175D3DCCD1}">
-              <a14:hiddenFill xmlns:a14="http://schemas.microsoft.com/office/drawing/2010/main">
-                <a:solidFill>
-                  <a:srgbClr val="FFFFFF"/>
-                </a:solidFill>
-              </a14:hiddenFill>
-            </a:ext>
-          </a:extLst>
         </p:spPr>
       </p:pic>
     </p:spTree>
     <p:extLst>
       <p:ext uri="{BB962C8B-B14F-4D97-AF65-F5344CB8AC3E}">
-        <p14:creationId xmlns:p14="http://schemas.microsoft.com/office/powerpoint/2010/main" val="1903321813"/>
+        <p14:creationId xmlns:p14="http://schemas.microsoft.com/office/powerpoint/2010/main" val="2758396470"/>
       </p:ext>
     </p:extLst>
   </p:cSld>
@@ -5253,25 +5198,13 @@
             </a:r>
             <a:r>
               <a:rPr lang="fr-FR" dirty="0" smtClean="0"/>
-              <a:t> est compatible avec les validations de </a:t>
-            </a:r>
-            <a:r>
-              <a:rPr lang="fr-FR" dirty="0" smtClean="0"/>
-              <a:t>HTML </a:t>
-            </a:r>
-            <a:r>
-              <a:rPr lang="fr-FR" dirty="0" smtClean="0"/>
-              <a:t>5</a:t>
-            </a:r>
-          </a:p>
-          <a:p>
-            <a:r>
-              <a:rPr lang="fr-FR" dirty="0" smtClean="0"/>
-              <a:t>Nouvelles </a:t>
-            </a:r>
-            <a:r>
-              <a:rPr lang="fr-FR" dirty="0" smtClean="0"/>
-              <a:t>propriétés</a:t>
+              <a:t> est compatible avec les validations de HTML 5</a:t>
+            </a:r>
+          </a:p>
+          <a:p>
+            <a:r>
+              <a:rPr lang="fr-FR" dirty="0" smtClean="0"/>
+              <a:t>Nouvelles propriétés</a:t>
             </a:r>
           </a:p>
           <a:p>
@@ -5421,13 +5354,8 @@
             <a:pPr lvl="1"/>
             <a:r>
               <a:rPr lang="fr-FR" dirty="0" smtClean="0"/>
-              <a:t>Le formulaire doit </a:t>
-            </a:r>
-            <a:r>
-              <a:rPr lang="fr-FR" dirty="0" smtClean="0"/>
-              <a:t>posséder un #</a:t>
-            </a:r>
-            <a:endParaRPr lang="fr-FR" dirty="0" smtClean="0"/>
+              <a:t>Le formulaire doit posséder un #</a:t>
+            </a:r>
           </a:p>
           <a:p>
             <a:pPr lvl="1"/>

--- a/PPT/Angular06-Binding.pptx
+++ b/PPT/Angular06-Binding.pptx
@@ -5354,8 +5354,29 @@
             <a:pPr lvl="1"/>
             <a:r>
               <a:rPr lang="fr-FR" dirty="0" smtClean="0"/>
-              <a:t>Le formulaire doit posséder un #</a:t>
-            </a:r>
+              <a:t>Le formulaire doit posséder un </a:t>
+            </a:r>
+            <a:r>
+              <a:rPr lang="fr-FR" dirty="0" smtClean="0"/>
+              <a:t># qui est le </a:t>
+            </a:r>
+            <a:r>
+              <a:rPr lang="fr-FR" dirty="0" err="1" smtClean="0"/>
+              <a:t>formGroup</a:t>
+            </a:r>
+            <a:r>
+              <a:rPr lang="fr-FR" dirty="0" smtClean="0"/>
+              <a:t> indiqué dans le </a:t>
+            </a:r>
+            <a:r>
+              <a:rPr lang="fr-FR" dirty="0" err="1" smtClean="0"/>
+              <a:t>powerpoint</a:t>
+            </a:r>
+            <a:r>
+              <a:rPr lang="fr-FR" dirty="0" smtClean="0"/>
+              <a:t> suivant</a:t>
+            </a:r>
+            <a:endParaRPr lang="fr-FR" dirty="0" smtClean="0"/>
           </a:p>
           <a:p>
             <a:pPr lvl="1"/>
@@ -5379,7 +5400,7 @@
         </p:blipFill>
         <p:spPr>
           <a:xfrm>
-            <a:off x="971600" y="2996952"/>
+            <a:off x="920915" y="3140968"/>
             <a:ext cx="7042067" cy="3168352"/>
           </a:xfrm>
           <a:prstGeom prst="rect">
@@ -5580,17 +5601,9 @@
           <a:bodyPr/>
           <a:lstStyle/>
           <a:p>
-            <a:r>
-              <a:rPr lang="fr-FR" dirty="0" smtClean="0"/>
-              <a:t>Notez le répertoire </a:t>
-            </a:r>
-            <a:r>
-              <a:rPr lang="fr-FR" dirty="0" err="1" smtClean="0"/>
-              <a:t>shared</a:t>
-            </a:r>
-            <a:endParaRPr lang="fr-FR" dirty="0" smtClean="0"/>
-          </a:p>
-          <a:p>
+            <a:pPr marL="0" indent="0">
+              <a:buNone/>
+            </a:pPr>
             <a:endParaRPr lang="fr-FR" dirty="0"/>
           </a:p>
         </p:txBody>

--- a/PPT/Angular06-Binding.pptx
+++ b/PPT/Angular06-Binding.pptx
@@ -5239,7 +5239,7 @@
       </p:sp>
       <p:pic>
         <p:nvPicPr>
-          <p:cNvPr id="5" name="Image 4"/>
+          <p:cNvPr id="4" name="Image 3"/>
           <p:cNvPicPr>
             <a:picLocks noChangeAspect="1"/>
           </p:cNvPicPr>
@@ -5253,8 +5253,8 @@
         </p:blipFill>
         <p:spPr>
           <a:xfrm>
-            <a:off x="179512" y="4023307"/>
-            <a:ext cx="8524875" cy="1628775"/>
+            <a:off x="683568" y="3833415"/>
+            <a:ext cx="7648575" cy="1495425"/>
           </a:xfrm>
           <a:prstGeom prst="rect">
             <a:avLst/>
@@ -5354,11 +5354,7 @@
             <a:pPr lvl="1"/>
             <a:r>
               <a:rPr lang="fr-FR" dirty="0" smtClean="0"/>
-              <a:t>Le formulaire doit posséder un </a:t>
-            </a:r>
-            <a:r>
-              <a:rPr lang="fr-FR" dirty="0" smtClean="0"/>
-              <a:t># qui est le </a:t>
+              <a:t>Le formulaire doit posséder un # qui est le </a:t>
             </a:r>
             <a:r>
               <a:rPr lang="fr-FR" dirty="0" err="1" smtClean="0"/>
@@ -5376,7 +5372,6 @@
               <a:rPr lang="fr-FR" dirty="0" smtClean="0"/>
               <a:t> suivant</a:t>
             </a:r>
-            <a:endParaRPr lang="fr-FR" dirty="0" smtClean="0"/>
           </a:p>
           <a:p>
             <a:pPr lvl="1"/>
